--- a/Presentaciones/Presentacion_Fundamentos_2016_001_N.pptx
+++ b/Presentaciones/Presentacion_Fundamentos_2016_001_N.pptx
@@ -125,6 +125,36 @@
       </a:defRPr>
     </a:lvl9pPr>
   </p:defaultTextStyle>
+  <p:extLst>
+    <p:ext uri="{EFAFB233-063F-42B5-8137-9DF3F51BA10A}">
+      <p15:sldGuideLst xmlns:p15="http://schemas.microsoft.com/office/powerpoint/2012/main">
+        <p15:guide id="1" orient="horz" pos="2160">
+          <p15:clr>
+            <a:srgbClr val="A4A3A4"/>
+          </p15:clr>
+        </p15:guide>
+        <p15:guide id="2" pos="2880">
+          <p15:clr>
+            <a:srgbClr val="A4A3A4"/>
+          </p15:clr>
+        </p15:guide>
+      </p15:sldGuideLst>
+    </p:ext>
+    <p:ext uri="{2D200454-40CA-4A62-9FC3-DE9A4176ACB9}">
+      <p15:notesGuideLst xmlns:p15="http://schemas.microsoft.com/office/powerpoint/2012/main">
+        <p15:guide id="1" orient="horz" pos="2880">
+          <p15:clr>
+            <a:srgbClr val="A4A3A4"/>
+          </p15:clr>
+        </p15:guide>
+        <p15:guide id="2" pos="2160">
+          <p15:clr>
+            <a:srgbClr val="A4A3A4"/>
+          </p15:clr>
+        </p15:guide>
+      </p15:notesGuideLst>
+    </p:ext>
+  </p:extLst>
 </p:presentation>
 </file>
 
@@ -210,7 +240,7 @@
           <a:p>
             <a:fld id="{B09549CF-5A45-43FF-8AF3-7463F2EA0A2B}" type="datetimeFigureOut">
               <a:rPr lang="en-US" smtClean="0"/>
-              <a:t>7/19/2016</a:t>
+              <a:t>7/25/16</a:t>
             </a:fld>
             <a:endParaRPr lang="en-US"/>
           </a:p>
@@ -1006,7 +1036,7 @@
           <a:p>
             <a:fld id="{91EF9960-F855-438E-A7A6-55F37F3C0765}" type="datetimeFigureOut">
               <a:rPr lang="en-US" smtClean="0"/>
-              <a:t>7/19/2016</a:t>
+              <a:t>7/25/16</a:t>
             </a:fld>
             <a:endParaRPr lang="en-US"/>
           </a:p>
@@ -1316,7 +1346,7 @@
           <a:p>
             <a:fld id="{91EF9960-F855-438E-A7A6-55F37F3C0765}" type="datetimeFigureOut">
               <a:rPr lang="en-US" smtClean="0"/>
-              <a:t>7/19/2016</a:t>
+              <a:t>7/25/16</a:t>
             </a:fld>
             <a:endParaRPr lang="en-US"/>
           </a:p>
@@ -1708,7 +1738,7 @@
           <a:p>
             <a:fld id="{91EF9960-F855-438E-A7A6-55F37F3C0765}" type="datetimeFigureOut">
               <a:rPr lang="en-US" smtClean="0"/>
-              <a:t>7/19/2016</a:t>
+              <a:t>7/25/16</a:t>
             </a:fld>
             <a:endParaRPr lang="en-US"/>
           </a:p>
@@ -1988,7 +2018,7 @@
           <a:p>
             <a:fld id="{91EF9960-F855-438E-A7A6-55F37F3C0765}" type="datetimeFigureOut">
               <a:rPr lang="en-US" smtClean="0"/>
-              <a:t>7/19/2016</a:t>
+              <a:t>7/25/16</a:t>
             </a:fld>
             <a:endParaRPr lang="en-US"/>
           </a:p>
@@ -2360,7 +2390,7 @@
           <a:p>
             <a:fld id="{91EF9960-F855-438E-A7A6-55F37F3C0765}" type="datetimeFigureOut">
               <a:rPr lang="en-US" smtClean="0"/>
-              <a:t>7/19/2016</a:t>
+              <a:t>7/25/16</a:t>
             </a:fld>
             <a:endParaRPr lang="en-US"/>
           </a:p>
@@ -2908,7 +2938,7 @@
           <a:p>
             <a:fld id="{91EF9960-F855-438E-A7A6-55F37F3C0765}" type="datetimeFigureOut">
               <a:rPr lang="en-US" smtClean="0"/>
-              <a:t>7/19/2016</a:t>
+              <a:t>7/25/16</a:t>
             </a:fld>
             <a:endParaRPr lang="en-US"/>
           </a:p>
@@ -3156,7 +3186,7 @@
           <a:p>
             <a:fld id="{91EF9960-F855-438E-A7A6-55F37F3C0765}" type="datetimeFigureOut">
               <a:rPr lang="en-US" smtClean="0"/>
-              <a:t>7/19/2016</a:t>
+              <a:t>7/25/16</a:t>
             </a:fld>
             <a:endParaRPr lang="en-US"/>
           </a:p>
@@ -3373,7 +3403,7 @@
           <a:p>
             <a:fld id="{91EF9960-F855-438E-A7A6-55F37F3C0765}" type="datetimeFigureOut">
               <a:rPr lang="en-US" smtClean="0"/>
-              <a:t>7/19/2016</a:t>
+              <a:t>7/25/16</a:t>
             </a:fld>
             <a:endParaRPr lang="en-US"/>
           </a:p>
@@ -3772,7 +3802,7 @@
           <a:p>
             <a:fld id="{91EF9960-F855-438E-A7A6-55F37F3C0765}" type="datetimeFigureOut">
               <a:rPr lang="en-US" smtClean="0"/>
-              <a:t>7/19/2016</a:t>
+              <a:t>7/25/16</a:t>
             </a:fld>
             <a:endParaRPr lang="en-US"/>
           </a:p>
@@ -4147,7 +4177,7 @@
           <a:p>
             <a:fld id="{91EF9960-F855-438E-A7A6-55F37F3C0765}" type="datetimeFigureOut">
               <a:rPr lang="en-US" smtClean="0"/>
-              <a:t>7/19/2016</a:t>
+              <a:t>7/25/16</a:t>
             </a:fld>
             <a:endParaRPr lang="en-US"/>
           </a:p>
@@ -4482,7 +4512,7 @@
           <a:p>
             <a:fld id="{91EF9960-F855-438E-A7A6-55F37F3C0765}" type="datetimeFigureOut">
               <a:rPr lang="en-US" smtClean="0"/>
-              <a:t>7/19/2016</a:t>
+              <a:t>7/25/16</a:t>
             </a:fld>
             <a:endParaRPr lang="en-US"/>
           </a:p>
@@ -5161,9 +5191,6 @@
               </a:rPr>
               <a:t>...</a:t>
             </a:r>
-            <a:endParaRPr lang="en-US" altLang="es-CO" dirty="0" smtClean="0">
-              <a:cs typeface="Arial" charset="0"/>
-            </a:endParaRPr>
           </a:p>
         </p:txBody>
       </p:sp>
@@ -7172,21 +7199,45 @@
                 <a:latin typeface="Consolas" panose="020B0609020204030204" pitchFamily="49" charset="0"/>
                 <a:cs typeface="Consolas" panose="020B0609020204030204" pitchFamily="49" charset="0"/>
               </a:rPr>
-              <a:t>set JAVA_HOME = C:\Program Files\Java\jdk1.7.0_17</a:t>
-            </a:r>
-          </a:p>
-          <a:p>
+              <a:t>set </a:t>
+            </a:r>
+            <a:r>
+              <a:rPr lang="en-US" dirty="0" smtClean="0">
+                <a:latin typeface="Consolas" panose="020B0609020204030204" pitchFamily="49" charset="0"/>
+                <a:cs typeface="Consolas" panose="020B0609020204030204" pitchFamily="49" charset="0"/>
+              </a:rPr>
+              <a:t>JAVA_HOME=C</a:t>
+            </a:r>
             <a:r>
               <a:rPr lang="en-US" dirty="0">
                 <a:latin typeface="Consolas" panose="020B0609020204030204" pitchFamily="49" charset="0"/>
                 <a:cs typeface="Consolas" panose="020B0609020204030204" pitchFamily="49" charset="0"/>
               </a:rPr>
-              <a:t>set PATH = %PATH%;%JAVA_HOME%\bin</a:t>
-            </a:r>
-            <a:endParaRPr lang="en-US" dirty="0">
-              <a:latin typeface="Consolas" panose="020B0609020204030204" pitchFamily="49" charset="0"/>
-              <a:cs typeface="Consolas" panose="020B0609020204030204" pitchFamily="49" charset="0"/>
-            </a:endParaRPr>
+              <a:t>:\Program Files\Java\jdk1.7.0_17</a:t>
+            </a:r>
+          </a:p>
+          <a:p>
+            <a:r>
+              <a:rPr lang="en-US" dirty="0">
+                <a:latin typeface="Consolas" panose="020B0609020204030204" pitchFamily="49" charset="0"/>
+                <a:cs typeface="Consolas" panose="020B0609020204030204" pitchFamily="49" charset="0"/>
+              </a:rPr>
+              <a:t>set </a:t>
+            </a:r>
+            <a:r>
+              <a:rPr lang="en-US" dirty="0" smtClean="0">
+                <a:latin typeface="Consolas" panose="020B0609020204030204" pitchFamily="49" charset="0"/>
+                <a:cs typeface="Consolas" panose="020B0609020204030204" pitchFamily="49" charset="0"/>
+              </a:rPr>
+              <a:t>PATH=%</a:t>
+            </a:r>
+            <a:r>
+              <a:rPr lang="en-US" dirty="0">
+                <a:latin typeface="Consolas" panose="020B0609020204030204" pitchFamily="49" charset="0"/>
+                <a:cs typeface="Consolas" panose="020B0609020204030204" pitchFamily="49" charset="0"/>
+              </a:rPr>
+              <a:t>PATH%;%JAVA_HOME%\bin</a:t>
+            </a:r>
           </a:p>
         </p:txBody>
       </p:sp>
@@ -8139,7 +8190,6 @@
               <a:rPr lang="es-CO" dirty="0" smtClean="0"/>
               <a:t>¿Cómo se hace un programa?</a:t>
             </a:r>
-            <a:endParaRPr lang="es-CO" dirty="0" smtClean="0"/>
           </a:p>
           <a:p>
             <a:r>
@@ -8403,11 +8453,11 @@
   <p:clrMapOvr>
     <a:masterClrMapping/>
   </p:clrMapOvr>
-  <mc:AlternateContent xmlns:mc="http://schemas.openxmlformats.org/markup-compatibility/2006">
-    <mc:Choice xmlns:p14="http://schemas.microsoft.com/office/powerpoint/2010/main" Requires="p14">
+  <mc:AlternateContent xmlns:mc="http://schemas.openxmlformats.org/markup-compatibility/2006" xmlns:p14="http://schemas.microsoft.com/office/powerpoint/2010/main">
+    <mc:Choice Requires="p14">
       <p:transition p14:dur="10"/>
     </mc:Choice>
-    <mc:Fallback>
+    <mc:Fallback xmlns="">
       <p:transition/>
     </mc:Fallback>
   </mc:AlternateContent>
@@ -9244,7 +9294,6 @@
               <a:rPr lang="en-US" sz="1100" dirty="0"/>
               <a:t>2</a:t>
             </a:r>
-            <a:endParaRPr lang="en-US" sz="1100" dirty="0"/>
           </a:p>
         </p:txBody>
       </p:sp>

--- a/Presentaciones/Presentacion_Fundamentos_2016_001_N.pptx
+++ b/Presentaciones/Presentacion_Fundamentos_2016_001_N.pptx
@@ -5,7 +5,7 @@
     <p:sldMasterId id="2147483648" r:id="rId1"/>
   </p:sldMasterIdLst>
   <p:notesMasterIdLst>
-    <p:notesMasterId r:id="rId21"/>
+    <p:notesMasterId r:id="rId20"/>
   </p:notesMasterIdLst>
   <p:sldIdLst>
     <p:sldId id="256" r:id="rId2"/>
@@ -25,8 +25,7 @@
     <p:sldId id="273" r:id="rId16"/>
     <p:sldId id="274" r:id="rId17"/>
     <p:sldId id="275" r:id="rId18"/>
-    <p:sldId id="276" r:id="rId19"/>
-    <p:sldId id="277" r:id="rId20"/>
+    <p:sldId id="277" r:id="rId19"/>
   </p:sldIdLst>
   <p:sldSz cx="9144000" cy="6858000" type="screen4x3"/>
   <p:notesSz cx="6858000" cy="9144000"/>
@@ -240,7 +239,7 @@
           <a:p>
             <a:fld id="{B09549CF-5A45-43FF-8AF3-7463F2EA0A2B}" type="datetimeFigureOut">
               <a:rPr lang="en-US" smtClean="0"/>
-              <a:t>7/25/16</a:t>
+              <a:t>7/26/16</a:t>
             </a:fld>
             <a:endParaRPr lang="en-US"/>
           </a:p>
@@ -1036,7 +1035,7 @@
           <a:p>
             <a:fld id="{91EF9960-F855-438E-A7A6-55F37F3C0765}" type="datetimeFigureOut">
               <a:rPr lang="en-US" smtClean="0"/>
-              <a:t>7/25/16</a:t>
+              <a:t>7/26/16</a:t>
             </a:fld>
             <a:endParaRPr lang="en-US"/>
           </a:p>
@@ -1346,7 +1345,7 @@
           <a:p>
             <a:fld id="{91EF9960-F855-438E-A7A6-55F37F3C0765}" type="datetimeFigureOut">
               <a:rPr lang="en-US" smtClean="0"/>
-              <a:t>7/25/16</a:t>
+              <a:t>7/26/16</a:t>
             </a:fld>
             <a:endParaRPr lang="en-US"/>
           </a:p>
@@ -1738,7 +1737,7 @@
           <a:p>
             <a:fld id="{91EF9960-F855-438E-A7A6-55F37F3C0765}" type="datetimeFigureOut">
               <a:rPr lang="en-US" smtClean="0"/>
-              <a:t>7/25/16</a:t>
+              <a:t>7/26/16</a:t>
             </a:fld>
             <a:endParaRPr lang="en-US"/>
           </a:p>
@@ -2018,7 +2017,7 @@
           <a:p>
             <a:fld id="{91EF9960-F855-438E-A7A6-55F37F3C0765}" type="datetimeFigureOut">
               <a:rPr lang="en-US" smtClean="0"/>
-              <a:t>7/25/16</a:t>
+              <a:t>7/26/16</a:t>
             </a:fld>
             <a:endParaRPr lang="en-US"/>
           </a:p>
@@ -2390,7 +2389,7 @@
           <a:p>
             <a:fld id="{91EF9960-F855-438E-A7A6-55F37F3C0765}" type="datetimeFigureOut">
               <a:rPr lang="en-US" smtClean="0"/>
-              <a:t>7/25/16</a:t>
+              <a:t>7/26/16</a:t>
             </a:fld>
             <a:endParaRPr lang="en-US"/>
           </a:p>
@@ -2938,7 +2937,7 @@
           <a:p>
             <a:fld id="{91EF9960-F855-438E-A7A6-55F37F3C0765}" type="datetimeFigureOut">
               <a:rPr lang="en-US" smtClean="0"/>
-              <a:t>7/25/16</a:t>
+              <a:t>7/26/16</a:t>
             </a:fld>
             <a:endParaRPr lang="en-US"/>
           </a:p>
@@ -3186,7 +3185,7 @@
           <a:p>
             <a:fld id="{91EF9960-F855-438E-A7A6-55F37F3C0765}" type="datetimeFigureOut">
               <a:rPr lang="en-US" smtClean="0"/>
-              <a:t>7/25/16</a:t>
+              <a:t>7/26/16</a:t>
             </a:fld>
             <a:endParaRPr lang="en-US"/>
           </a:p>
@@ -3403,7 +3402,7 @@
           <a:p>
             <a:fld id="{91EF9960-F855-438E-A7A6-55F37F3C0765}" type="datetimeFigureOut">
               <a:rPr lang="en-US" smtClean="0"/>
-              <a:t>7/25/16</a:t>
+              <a:t>7/26/16</a:t>
             </a:fld>
             <a:endParaRPr lang="en-US"/>
           </a:p>
@@ -3802,7 +3801,7 @@
           <a:p>
             <a:fld id="{91EF9960-F855-438E-A7A6-55F37F3C0765}" type="datetimeFigureOut">
               <a:rPr lang="en-US" smtClean="0"/>
-              <a:t>7/25/16</a:t>
+              <a:t>7/26/16</a:t>
             </a:fld>
             <a:endParaRPr lang="en-US"/>
           </a:p>
@@ -4177,7 +4176,7 @@
           <a:p>
             <a:fld id="{91EF9960-F855-438E-A7A6-55F37F3C0765}" type="datetimeFigureOut">
               <a:rPr lang="en-US" smtClean="0"/>
-              <a:t>7/25/16</a:t>
+              <a:t>7/26/16</a:t>
             </a:fld>
             <a:endParaRPr lang="en-US"/>
           </a:p>
@@ -4512,7 +4511,7 @@
           <a:p>
             <a:fld id="{91EF9960-F855-438E-A7A6-55F37F3C0765}" type="datetimeFigureOut">
               <a:rPr lang="en-US" smtClean="0"/>
-              <a:t>7/25/16</a:t>
+              <a:t>7/26/16</a:t>
             </a:fld>
             <a:endParaRPr lang="en-US"/>
           </a:p>
@@ -7551,8 +7550,40 @@
                 <a:latin typeface="Consolas" panose="020B0609020204030204" pitchFamily="49" charset="0"/>
                 <a:cs typeface="Consolas" panose="020B0609020204030204" pitchFamily="49" charset="0"/>
               </a:rPr>
-              <a:t> c = 5 + 3;</a:t>
-            </a:r>
+              <a:t> c </a:t>
+            </a:r>
+            <a:r>
+              <a:rPr lang="en-US">
+                <a:latin typeface="Consolas" panose="020B0609020204030204" pitchFamily="49" charset="0"/>
+                <a:cs typeface="Consolas" panose="020B0609020204030204" pitchFamily="49" charset="0"/>
+              </a:rPr>
+              <a:t>= </a:t>
+            </a:r>
+            <a:r>
+              <a:rPr lang="en-US" smtClean="0">
+                <a:latin typeface="Consolas" panose="020B0609020204030204" pitchFamily="49" charset="0"/>
+                <a:cs typeface="Consolas" panose="020B0609020204030204" pitchFamily="49" charset="0"/>
+              </a:rPr>
+              <a:t>a </a:t>
+            </a:r>
+            <a:r>
+              <a:rPr lang="en-US">
+                <a:latin typeface="Consolas" panose="020B0609020204030204" pitchFamily="49" charset="0"/>
+                <a:cs typeface="Consolas" panose="020B0609020204030204" pitchFamily="49" charset="0"/>
+              </a:rPr>
+              <a:t>+ </a:t>
+            </a:r>
+            <a:r>
+              <a:rPr lang="en-US" smtClean="0">
+                <a:latin typeface="Consolas" panose="020B0609020204030204" pitchFamily="49" charset="0"/>
+                <a:cs typeface="Consolas" panose="020B0609020204030204" pitchFamily="49" charset="0"/>
+              </a:rPr>
+              <a:t>b;</a:t>
+            </a:r>
+            <a:endParaRPr lang="en-US" dirty="0">
+              <a:latin typeface="Consolas" panose="020B0609020204030204" pitchFamily="49" charset="0"/>
+              <a:cs typeface="Consolas" panose="020B0609020204030204" pitchFamily="49" charset="0"/>
+            </a:endParaRPr>
           </a:p>
           <a:p>
             <a:r>
@@ -7618,409 +7649,6 @@
 </file>
 
 <file path=ppt/slides/slide18.xml><?xml version="1.0" encoding="utf-8"?>
-<p:sld xmlns:a="http://schemas.openxmlformats.org/drawingml/2006/main" xmlns:r="http://schemas.openxmlformats.org/officeDocument/2006/relationships" xmlns:p="http://schemas.openxmlformats.org/presentationml/2006/main">
-  <p:cSld>
-    <p:spTree>
-      <p:nvGrpSpPr>
-        <p:cNvPr id="1" name=""/>
-        <p:cNvGrpSpPr/>
-        <p:nvPr/>
-      </p:nvGrpSpPr>
-      <p:grpSpPr>
-        <a:xfrm>
-          <a:off x="0" y="0"/>
-          <a:ext cx="0" cy="0"/>
-          <a:chOff x="0" y="0"/>
-          <a:chExt cx="0" cy="0"/>
-        </a:xfrm>
-      </p:grpSpPr>
-      <p:sp>
-        <p:nvSpPr>
-          <p:cNvPr id="2" name="Title 1"/>
-          <p:cNvSpPr>
-            <a:spLocks noGrp="1"/>
-          </p:cNvSpPr>
-          <p:nvPr>
-            <p:ph type="title"/>
-          </p:nvPr>
-        </p:nvSpPr>
-        <p:spPr/>
-        <p:txBody>
-          <a:bodyPr/>
-          <a:lstStyle/>
-          <a:p>
-            <a:r>
-              <a:rPr lang="en-US" dirty="0" err="1" smtClean="0"/>
-              <a:t>Compilar</a:t>
-            </a:r>
-            <a:r>
-              <a:rPr lang="en-US" dirty="0" smtClean="0"/>
-              <a:t> un </a:t>
-            </a:r>
-            <a:r>
-              <a:rPr lang="en-US" dirty="0" err="1" smtClean="0"/>
-              <a:t>programa</a:t>
-            </a:r>
-            <a:r>
-              <a:rPr lang="en-US" dirty="0" smtClean="0"/>
-              <a:t> de java</a:t>
-            </a:r>
-            <a:endParaRPr lang="en-US" dirty="0"/>
-          </a:p>
-        </p:txBody>
-      </p:sp>
-      <p:sp>
-        <p:nvSpPr>
-          <p:cNvPr id="3" name="Content Placeholder 2"/>
-          <p:cNvSpPr>
-            <a:spLocks noGrp="1"/>
-          </p:cNvSpPr>
-          <p:nvPr>
-            <p:ph idx="1"/>
-          </p:nvPr>
-        </p:nvSpPr>
-        <p:spPr/>
-        <p:txBody>
-          <a:bodyPr/>
-          <a:lstStyle/>
-          <a:p>
-            <a:pPr marL="514350" indent="-514350">
-              <a:buFont typeface="+mj-lt"/>
-              <a:buAutoNum type="arabicPeriod"/>
-            </a:pPr>
-            <a:r>
-              <a:rPr lang="en-US" dirty="0" err="1" smtClean="0"/>
-              <a:t>Crear</a:t>
-            </a:r>
-            <a:r>
-              <a:rPr lang="en-US" dirty="0" smtClean="0"/>
-              <a:t> el </a:t>
-            </a:r>
-            <a:r>
-              <a:rPr lang="en-US" dirty="0" err="1" smtClean="0"/>
-              <a:t>archivo</a:t>
-            </a:r>
-            <a:r>
-              <a:rPr lang="en-US" dirty="0" smtClean="0"/>
-              <a:t> Programa_002.java</a:t>
-            </a:r>
-          </a:p>
-          <a:p>
-            <a:pPr marL="514350" indent="-514350">
-              <a:buFont typeface="+mj-lt"/>
-              <a:buAutoNum type="arabicPeriod"/>
-            </a:pPr>
-            <a:endParaRPr lang="en-US" dirty="0" smtClean="0"/>
-          </a:p>
-          <a:p>
-            <a:pPr marL="514350" indent="-514350">
-              <a:buFont typeface="+mj-lt"/>
-              <a:buAutoNum type="arabicPeriod"/>
-            </a:pPr>
-            <a:endParaRPr lang="en-US" dirty="0"/>
-          </a:p>
-          <a:p>
-            <a:pPr marL="514350" indent="-514350">
-              <a:buFont typeface="+mj-lt"/>
-              <a:buAutoNum type="arabicPeriod"/>
-            </a:pPr>
-            <a:endParaRPr lang="en-US" dirty="0" smtClean="0"/>
-          </a:p>
-          <a:p>
-            <a:pPr marL="514350" indent="-514350">
-              <a:buFont typeface="+mj-lt"/>
-              <a:buAutoNum type="arabicPeriod"/>
-            </a:pPr>
-            <a:endParaRPr lang="en-US" dirty="0"/>
-          </a:p>
-          <a:p>
-            <a:pPr marL="514350" indent="-514350">
-              <a:buFont typeface="+mj-lt"/>
-              <a:buAutoNum type="arabicPeriod"/>
-            </a:pPr>
-            <a:endParaRPr lang="en-US" dirty="0" smtClean="0"/>
-          </a:p>
-          <a:p>
-            <a:pPr marL="514350" indent="-514350">
-              <a:buFont typeface="+mj-lt"/>
-              <a:buAutoNum type="arabicPeriod"/>
-            </a:pPr>
-            <a:r>
-              <a:rPr lang="en-US" dirty="0" err="1" smtClean="0"/>
-              <a:t>Compilarlo</a:t>
-            </a:r>
-            <a:r>
-              <a:rPr lang="en-US" dirty="0" smtClean="0"/>
-              <a:t> con la </a:t>
-            </a:r>
-            <a:r>
-              <a:rPr lang="en-US" dirty="0" err="1" smtClean="0"/>
-              <a:t>instrucción</a:t>
-            </a:r>
-            <a:r>
-              <a:rPr lang="en-US" dirty="0" smtClean="0"/>
-              <a:t> </a:t>
-            </a:r>
-            <a:r>
-              <a:rPr lang="en-US" dirty="0" err="1" smtClean="0"/>
-              <a:t>javac</a:t>
-            </a:r>
-            <a:endParaRPr lang="en-US" dirty="0" smtClean="0"/>
-          </a:p>
-          <a:p>
-            <a:pPr marL="0" indent="0">
-              <a:buNone/>
-            </a:pPr>
-            <a:endParaRPr lang="en-US" dirty="0" smtClean="0"/>
-          </a:p>
-        </p:txBody>
-      </p:sp>
-      <p:sp>
-        <p:nvSpPr>
-          <p:cNvPr id="4" name="Rectangle 3"/>
-          <p:cNvSpPr/>
-          <p:nvPr/>
-        </p:nvSpPr>
-        <p:spPr>
-          <a:xfrm>
-            <a:off x="971600" y="2278895"/>
-            <a:ext cx="7488832" cy="2308324"/>
-          </a:xfrm>
-          <a:prstGeom prst="rect">
-            <a:avLst/>
-          </a:prstGeom>
-          <a:solidFill>
-            <a:schemeClr val="bg1">
-              <a:lumMod val="75000"/>
-            </a:schemeClr>
-          </a:solidFill>
-        </p:spPr>
-        <p:txBody>
-          <a:bodyPr wrap="square">
-            <a:spAutoFit/>
-          </a:bodyPr>
-          <a:lstStyle/>
-          <a:p>
-            <a:r>
-              <a:rPr lang="en-US" dirty="0">
-                <a:latin typeface="Consolas" panose="020B0609020204030204" pitchFamily="49" charset="0"/>
-                <a:cs typeface="Consolas" panose="020B0609020204030204" pitchFamily="49" charset="0"/>
-              </a:rPr>
-              <a:t>public class Programa_002{</a:t>
-            </a:r>
-          </a:p>
-          <a:p>
-            <a:r>
-              <a:rPr lang="en-US" dirty="0">
-                <a:latin typeface="Consolas" panose="020B0609020204030204" pitchFamily="49" charset="0"/>
-                <a:cs typeface="Consolas" panose="020B0609020204030204" pitchFamily="49" charset="0"/>
-              </a:rPr>
-              <a:t>	public static void main(String[] </a:t>
-            </a:r>
-            <a:r>
-              <a:rPr lang="en-US" dirty="0" err="1">
-                <a:latin typeface="Consolas" panose="020B0609020204030204" pitchFamily="49" charset="0"/>
-                <a:cs typeface="Consolas" panose="020B0609020204030204" pitchFamily="49" charset="0"/>
-              </a:rPr>
-              <a:t>args</a:t>
-            </a:r>
-            <a:r>
-              <a:rPr lang="en-US" dirty="0">
-                <a:latin typeface="Consolas" panose="020B0609020204030204" pitchFamily="49" charset="0"/>
-                <a:cs typeface="Consolas" panose="020B0609020204030204" pitchFamily="49" charset="0"/>
-              </a:rPr>
-              <a:t>)</a:t>
-            </a:r>
-          </a:p>
-          <a:p>
-            <a:r>
-              <a:rPr lang="en-US" dirty="0">
-                <a:latin typeface="Consolas" panose="020B0609020204030204" pitchFamily="49" charset="0"/>
-                <a:cs typeface="Consolas" panose="020B0609020204030204" pitchFamily="49" charset="0"/>
-              </a:rPr>
-              <a:t>	{</a:t>
-            </a:r>
-          </a:p>
-          <a:p>
-            <a:r>
-              <a:rPr lang="en-US" dirty="0">
-                <a:latin typeface="Consolas" panose="020B0609020204030204" pitchFamily="49" charset="0"/>
-                <a:cs typeface="Consolas" panose="020B0609020204030204" pitchFamily="49" charset="0"/>
-              </a:rPr>
-              <a:t>		</a:t>
-            </a:r>
-            <a:r>
-              <a:rPr lang="en-US" dirty="0" err="1">
-                <a:latin typeface="Consolas" panose="020B0609020204030204" pitchFamily="49" charset="0"/>
-                <a:cs typeface="Consolas" panose="020B0609020204030204" pitchFamily="49" charset="0"/>
-              </a:rPr>
-              <a:t>System.out.println</a:t>
-            </a:r>
-            <a:r>
-              <a:rPr lang="en-US" dirty="0">
-                <a:latin typeface="Consolas" panose="020B0609020204030204" pitchFamily="49" charset="0"/>
-                <a:cs typeface="Consolas" panose="020B0609020204030204" pitchFamily="49" charset="0"/>
-              </a:rPr>
-              <a:t>("</a:t>
-            </a:r>
-            <a:r>
-              <a:rPr lang="en-US" dirty="0" err="1">
-                <a:latin typeface="Consolas" panose="020B0609020204030204" pitchFamily="49" charset="0"/>
-                <a:cs typeface="Consolas" panose="020B0609020204030204" pitchFamily="49" charset="0"/>
-              </a:rPr>
-              <a:t>Ingrese</a:t>
-            </a:r>
-            <a:r>
-              <a:rPr lang="en-US" dirty="0">
-                <a:latin typeface="Consolas" panose="020B0609020204030204" pitchFamily="49" charset="0"/>
-                <a:cs typeface="Consolas" panose="020B0609020204030204" pitchFamily="49" charset="0"/>
-              </a:rPr>
-              <a:t> </a:t>
-            </a:r>
-            <a:r>
-              <a:rPr lang="en-US" dirty="0" err="1">
-                <a:latin typeface="Consolas" panose="020B0609020204030204" pitchFamily="49" charset="0"/>
-                <a:cs typeface="Consolas" panose="020B0609020204030204" pitchFamily="49" charset="0"/>
-              </a:rPr>
-              <a:t>su</a:t>
-            </a:r>
-            <a:r>
-              <a:rPr lang="en-US" dirty="0">
-                <a:latin typeface="Consolas" panose="020B0609020204030204" pitchFamily="49" charset="0"/>
-                <a:cs typeface="Consolas" panose="020B0609020204030204" pitchFamily="49" charset="0"/>
-              </a:rPr>
-              <a:t> </a:t>
-            </a:r>
-            <a:r>
-              <a:rPr lang="en-US" dirty="0" err="1">
-                <a:latin typeface="Consolas" panose="020B0609020204030204" pitchFamily="49" charset="0"/>
-                <a:cs typeface="Consolas" panose="020B0609020204030204" pitchFamily="49" charset="0"/>
-              </a:rPr>
-              <a:t>nombre</a:t>
-            </a:r>
-            <a:r>
-              <a:rPr lang="en-US" dirty="0">
-                <a:latin typeface="Consolas" panose="020B0609020204030204" pitchFamily="49" charset="0"/>
-                <a:cs typeface="Consolas" panose="020B0609020204030204" pitchFamily="49" charset="0"/>
-              </a:rPr>
-              <a:t>");</a:t>
-            </a:r>
-          </a:p>
-          <a:p>
-            <a:r>
-              <a:rPr lang="en-US" dirty="0">
-                <a:latin typeface="Consolas" panose="020B0609020204030204" pitchFamily="49" charset="0"/>
-                <a:cs typeface="Consolas" panose="020B0609020204030204" pitchFamily="49" charset="0"/>
-              </a:rPr>
-              <a:t>		String input = </a:t>
-            </a:r>
-            <a:r>
-              <a:rPr lang="en-US" dirty="0" err="1">
-                <a:latin typeface="Consolas" panose="020B0609020204030204" pitchFamily="49" charset="0"/>
-                <a:cs typeface="Consolas" panose="020B0609020204030204" pitchFamily="49" charset="0"/>
-              </a:rPr>
-              <a:t>System.console</a:t>
-            </a:r>
-            <a:r>
-              <a:rPr lang="en-US" dirty="0">
-                <a:latin typeface="Consolas" panose="020B0609020204030204" pitchFamily="49" charset="0"/>
-                <a:cs typeface="Consolas" panose="020B0609020204030204" pitchFamily="49" charset="0"/>
-              </a:rPr>
-              <a:t>().</a:t>
-            </a:r>
-            <a:r>
-              <a:rPr lang="en-US" dirty="0" err="1">
-                <a:latin typeface="Consolas" panose="020B0609020204030204" pitchFamily="49" charset="0"/>
-                <a:cs typeface="Consolas" panose="020B0609020204030204" pitchFamily="49" charset="0"/>
-              </a:rPr>
-              <a:t>readLine</a:t>
-            </a:r>
-            <a:r>
-              <a:rPr lang="en-US" dirty="0">
-                <a:latin typeface="Consolas" panose="020B0609020204030204" pitchFamily="49" charset="0"/>
-                <a:cs typeface="Consolas" panose="020B0609020204030204" pitchFamily="49" charset="0"/>
-              </a:rPr>
-              <a:t>();</a:t>
-            </a:r>
-          </a:p>
-          <a:p>
-            <a:r>
-              <a:rPr lang="en-US" dirty="0">
-                <a:latin typeface="Consolas" panose="020B0609020204030204" pitchFamily="49" charset="0"/>
-                <a:cs typeface="Consolas" panose="020B0609020204030204" pitchFamily="49" charset="0"/>
-              </a:rPr>
-              <a:t>		</a:t>
-            </a:r>
-            <a:r>
-              <a:rPr lang="en-US" dirty="0" err="1">
-                <a:latin typeface="Consolas" panose="020B0609020204030204" pitchFamily="49" charset="0"/>
-                <a:cs typeface="Consolas" panose="020B0609020204030204" pitchFamily="49" charset="0"/>
-              </a:rPr>
-              <a:t>System.out.println</a:t>
-            </a:r>
-            <a:r>
-              <a:rPr lang="en-US" dirty="0">
-                <a:latin typeface="Consolas" panose="020B0609020204030204" pitchFamily="49" charset="0"/>
-                <a:cs typeface="Consolas" panose="020B0609020204030204" pitchFamily="49" charset="0"/>
-              </a:rPr>
-              <a:t>("</a:t>
-            </a:r>
-            <a:r>
-              <a:rPr lang="en-US" dirty="0" err="1">
-                <a:latin typeface="Consolas" panose="020B0609020204030204" pitchFamily="49" charset="0"/>
-                <a:cs typeface="Consolas" panose="020B0609020204030204" pitchFamily="49" charset="0"/>
-              </a:rPr>
-              <a:t>Hola</a:t>
-            </a:r>
-            <a:r>
-              <a:rPr lang="en-US" dirty="0">
-                <a:latin typeface="Consolas" panose="020B0609020204030204" pitchFamily="49" charset="0"/>
-                <a:cs typeface="Consolas" panose="020B0609020204030204" pitchFamily="49" charset="0"/>
-              </a:rPr>
-              <a:t> " + input);</a:t>
-            </a:r>
-          </a:p>
-          <a:p>
-            <a:r>
-              <a:rPr lang="en-US" dirty="0">
-                <a:latin typeface="Consolas" panose="020B0609020204030204" pitchFamily="49" charset="0"/>
-                <a:cs typeface="Consolas" panose="020B0609020204030204" pitchFamily="49" charset="0"/>
-              </a:rPr>
-              <a:t>	}</a:t>
-            </a:r>
-          </a:p>
-          <a:p>
-            <a:r>
-              <a:rPr lang="en-US" dirty="0">
-                <a:latin typeface="Consolas" panose="020B0609020204030204" pitchFamily="49" charset="0"/>
-                <a:cs typeface="Consolas" panose="020B0609020204030204" pitchFamily="49" charset="0"/>
-              </a:rPr>
-              <a:t>}</a:t>
-            </a:r>
-          </a:p>
-        </p:txBody>
-      </p:sp>
-    </p:spTree>
-    <p:extLst>
-      <p:ext uri="{BB962C8B-B14F-4D97-AF65-F5344CB8AC3E}">
-        <p14:creationId xmlns:p14="http://schemas.microsoft.com/office/powerpoint/2010/main" val="1693670743"/>
-      </p:ext>
-    </p:extLst>
-  </p:cSld>
-  <p:clrMapOvr>
-    <a:masterClrMapping/>
-  </p:clrMapOvr>
-  <p:timing>
-    <p:tnLst>
-      <p:par>
-        <p:cTn id="1" dur="indefinite" restart="never" nodeType="tmRoot"/>
-      </p:par>
-    </p:tnLst>
-  </p:timing>
-</p:sld>
-</file>
-
-<file path=ppt/slides/slide19.xml><?xml version="1.0" encoding="utf-8"?>
 <p:sld xmlns:a="http://schemas.openxmlformats.org/drawingml/2006/main" xmlns:r="http://schemas.openxmlformats.org/officeDocument/2006/relationships" xmlns:p="http://schemas.openxmlformats.org/presentationml/2006/main">
   <p:cSld>
     <p:spTree>
